--- a/Meetings & Official Documents/20180410_Meeting11.pptx
+++ b/Meetings & Official Documents/20180410_Meeting11.pptx
@@ -5,7 +5,7 @@
     <p:sldMasterId id="2147483648" r:id="rId1"/>
   </p:sldMasterIdLst>
   <p:notesMasterIdLst>
-    <p:notesMasterId r:id="rId37"/>
+    <p:notesMasterId r:id="rId36"/>
   </p:notesMasterIdLst>
   <p:sldIdLst>
     <p:sldId id="256" r:id="rId2"/>
@@ -25,24 +25,23 @@
     <p:sldId id="294" r:id="rId16"/>
     <p:sldId id="297" r:id="rId17"/>
     <p:sldId id="302" r:id="rId18"/>
-    <p:sldId id="300" r:id="rId19"/>
-    <p:sldId id="296" r:id="rId20"/>
-    <p:sldId id="295" r:id="rId21"/>
-    <p:sldId id="281" r:id="rId22"/>
-    <p:sldId id="279" r:id="rId23"/>
-    <p:sldId id="280" r:id="rId24"/>
-    <p:sldId id="282" r:id="rId25"/>
-    <p:sldId id="284" r:id="rId26"/>
-    <p:sldId id="285" r:id="rId27"/>
-    <p:sldId id="286" r:id="rId28"/>
-    <p:sldId id="287" r:id="rId29"/>
-    <p:sldId id="288" r:id="rId30"/>
-    <p:sldId id="289" r:id="rId31"/>
-    <p:sldId id="290" r:id="rId32"/>
-    <p:sldId id="291" r:id="rId33"/>
-    <p:sldId id="292" r:id="rId34"/>
-    <p:sldId id="293" r:id="rId35"/>
-    <p:sldId id="303" r:id="rId36"/>
+    <p:sldId id="296" r:id="rId19"/>
+    <p:sldId id="295" r:id="rId20"/>
+    <p:sldId id="281" r:id="rId21"/>
+    <p:sldId id="279" r:id="rId22"/>
+    <p:sldId id="280" r:id="rId23"/>
+    <p:sldId id="282" r:id="rId24"/>
+    <p:sldId id="284" r:id="rId25"/>
+    <p:sldId id="285" r:id="rId26"/>
+    <p:sldId id="286" r:id="rId27"/>
+    <p:sldId id="287" r:id="rId28"/>
+    <p:sldId id="288" r:id="rId29"/>
+    <p:sldId id="289" r:id="rId30"/>
+    <p:sldId id="290" r:id="rId31"/>
+    <p:sldId id="291" r:id="rId32"/>
+    <p:sldId id="292" r:id="rId33"/>
+    <p:sldId id="293" r:id="rId34"/>
+    <p:sldId id="303" r:id="rId35"/>
   </p:sldIdLst>
   <p:sldSz cx="12192000" cy="6858000"/>
   <p:notesSz cx="6858000" cy="9144000"/>
@@ -601,6 +600,639 @@
     <p:extLst>
       <p:ext uri="{BB962C8B-B14F-4D97-AF65-F5344CB8AC3E}">
         <p14:creationId xmlns:p14="http://schemas.microsoft.com/office/powerpoint/2010/main" val="3104452564"/>
+      </p:ext>
+    </p:extLst>
+  </p:cSld>
+  <p:clrMapOvr>
+    <a:masterClrMapping/>
+  </p:clrMapOvr>
+</p:notes>
+</file>
+
+<file path=ppt/notesSlides/notesSlide2.xml><?xml version="1.0" encoding="utf-8"?>
+<p:notes xmlns:a="http://schemas.openxmlformats.org/drawingml/2006/main" xmlns:r="http://schemas.openxmlformats.org/officeDocument/2006/relationships" xmlns:p="http://schemas.openxmlformats.org/presentationml/2006/main">
+  <p:cSld>
+    <p:spTree>
+      <p:nvGrpSpPr>
+        <p:cNvPr id="1" name=""/>
+        <p:cNvGrpSpPr/>
+        <p:nvPr/>
+      </p:nvGrpSpPr>
+      <p:grpSpPr>
+        <a:xfrm>
+          <a:off x="0" y="0"/>
+          <a:ext cx="0" cy="0"/>
+          <a:chOff x="0" y="0"/>
+          <a:chExt cx="0" cy="0"/>
+        </a:xfrm>
+      </p:grpSpPr>
+      <p:sp>
+        <p:nvSpPr>
+          <p:cNvPr id="2" name="Tijdelijke aanduiding voor dia-afbeelding 1"/>
+          <p:cNvSpPr>
+            <a:spLocks noGrp="1" noRot="1" noChangeAspect="1"/>
+          </p:cNvSpPr>
+          <p:nvPr>
+            <p:ph type="sldImg"/>
+          </p:nvPr>
+        </p:nvSpPr>
+        <p:spPr/>
+      </p:sp>
+      <p:sp>
+        <p:nvSpPr>
+          <p:cNvPr id="3" name="Tijdelijke aanduiding voor notities 2"/>
+          <p:cNvSpPr>
+            <a:spLocks noGrp="1"/>
+          </p:cNvSpPr>
+          <p:nvPr>
+            <p:ph type="body" idx="1"/>
+          </p:nvPr>
+        </p:nvSpPr>
+        <p:spPr/>
+        <p:txBody>
+          <a:bodyPr/>
+          <a:lstStyle/>
+          <a:p>
+            <a:r>
+              <a:rPr lang="nl-BE" dirty="0" err="1"/>
+              <a:t>Deflection</a:t>
+            </a:r>
+            <a:r>
+              <a:rPr lang="nl-BE" dirty="0"/>
+              <a:t> of wake </a:t>
+            </a:r>
+            <a:r>
+              <a:rPr lang="nl-BE" dirty="0" err="1"/>
+              <a:t>seems</a:t>
+            </a:r>
+            <a:r>
+              <a:rPr lang="nl-BE" dirty="0"/>
+              <a:t> high. </a:t>
+            </a:r>
+            <a:r>
+              <a:rPr lang="nl-BE" dirty="0" err="1"/>
+              <a:t>If</a:t>
+            </a:r>
+            <a:r>
+              <a:rPr lang="nl-BE" dirty="0"/>
+              <a:t> </a:t>
+            </a:r>
+            <a:r>
+              <a:rPr lang="nl-BE" dirty="0" err="1"/>
+              <a:t>the</a:t>
+            </a:r>
+            <a:r>
+              <a:rPr lang="nl-BE" dirty="0"/>
+              <a:t> </a:t>
+            </a:r>
+            <a:r>
+              <a:rPr lang="nl-BE" dirty="0" err="1"/>
+              <a:t>thrust</a:t>
+            </a:r>
+            <a:r>
+              <a:rPr lang="nl-BE" dirty="0"/>
+              <a:t> is </a:t>
+            </a:r>
+            <a:r>
+              <a:rPr lang="nl-BE" dirty="0" err="1"/>
+              <a:t>higher</a:t>
+            </a:r>
+            <a:r>
+              <a:rPr lang="nl-BE" dirty="0"/>
+              <a:t>, </a:t>
+            </a:r>
+            <a:r>
+              <a:rPr lang="nl-BE" dirty="0" err="1"/>
+              <a:t>the</a:t>
+            </a:r>
+            <a:r>
+              <a:rPr lang="nl-BE" dirty="0"/>
+              <a:t> wake is </a:t>
+            </a:r>
+            <a:r>
+              <a:rPr lang="nl-BE" dirty="0" err="1"/>
+              <a:t>also</a:t>
+            </a:r>
+            <a:r>
+              <a:rPr lang="nl-BE" dirty="0"/>
+              <a:t> more </a:t>
+            </a:r>
+            <a:r>
+              <a:rPr lang="nl-BE" dirty="0" err="1"/>
+              <a:t>prone</a:t>
+            </a:r>
+            <a:r>
+              <a:rPr lang="nl-BE" dirty="0"/>
+              <a:t> </a:t>
+            </a:r>
+            <a:r>
+              <a:rPr lang="nl-BE" dirty="0" err="1"/>
+              <a:t>to</a:t>
+            </a:r>
+            <a:r>
+              <a:rPr lang="nl-BE" dirty="0"/>
+              <a:t> </a:t>
+            </a:r>
+            <a:r>
+              <a:rPr lang="nl-BE" dirty="0" err="1"/>
+              <a:t>deflection</a:t>
+            </a:r>
+            <a:br>
+              <a:rPr lang="nl-BE" dirty="0"/>
+            </a:br>
+            <a:r>
+              <a:rPr lang="nl-BE" dirty="0"/>
+              <a:t>- </a:t>
+            </a:r>
+            <a:r>
+              <a:rPr lang="nl-BE" dirty="0" err="1"/>
+              <a:t>Deflection</a:t>
+            </a:r>
+            <a:r>
+              <a:rPr lang="nl-BE" dirty="0"/>
+              <a:t> </a:t>
+            </a:r>
+            <a:r>
+              <a:rPr lang="nl-BE" dirty="0" err="1"/>
+              <a:t>due</a:t>
+            </a:r>
+            <a:r>
+              <a:rPr lang="nl-BE" dirty="0"/>
+              <a:t> </a:t>
+            </a:r>
+            <a:r>
+              <a:rPr lang="nl-BE" dirty="0" err="1"/>
+              <a:t>to</a:t>
+            </a:r>
+            <a:r>
+              <a:rPr lang="nl-BE" dirty="0"/>
+              <a:t> </a:t>
+            </a:r>
+            <a:r>
+              <a:rPr lang="nl-BE" dirty="0" err="1"/>
+              <a:t>yaw</a:t>
+            </a:r>
+            <a:r>
+              <a:rPr lang="nl-BE" dirty="0"/>
+              <a:t> is </a:t>
+            </a:r>
+            <a:r>
+              <a:rPr lang="nl-BE" dirty="0" err="1"/>
+              <a:t>mostly</a:t>
+            </a:r>
+            <a:r>
+              <a:rPr lang="nl-BE" dirty="0"/>
+              <a:t> in </a:t>
+            </a:r>
+            <a:r>
+              <a:rPr lang="nl-BE" dirty="0" err="1"/>
+              <a:t>near</a:t>
+            </a:r>
+            <a:r>
+              <a:rPr lang="nl-BE" dirty="0"/>
+              <a:t> wake</a:t>
+            </a:r>
+          </a:p>
+          <a:p>
+            <a:pPr marL="171450" indent="-171450">
+              <a:buFontTx/>
+              <a:buChar char="-"/>
+            </a:pPr>
+            <a:r>
+              <a:rPr lang="nl-BE" dirty="0" err="1"/>
+              <a:t>Other</a:t>
+            </a:r>
+            <a:r>
+              <a:rPr lang="nl-BE" dirty="0"/>
+              <a:t> </a:t>
+            </a:r>
+            <a:r>
+              <a:rPr lang="nl-BE" dirty="0" err="1"/>
+              <a:t>reasons</a:t>
+            </a:r>
+            <a:r>
+              <a:rPr lang="nl-BE" dirty="0"/>
+              <a:t> </a:t>
+            </a:r>
+            <a:r>
+              <a:rPr lang="nl-BE" dirty="0" err="1"/>
+              <a:t>for</a:t>
+            </a:r>
+            <a:r>
+              <a:rPr lang="nl-BE" dirty="0"/>
+              <a:t> </a:t>
+            </a:r>
+            <a:r>
+              <a:rPr lang="nl-BE" dirty="0" err="1"/>
+              <a:t>deflection</a:t>
+            </a:r>
+            <a:r>
+              <a:rPr lang="nl-BE" dirty="0"/>
+              <a:t> </a:t>
+            </a:r>
+            <a:r>
+              <a:rPr lang="nl-BE" dirty="0" err="1"/>
+              <a:t>might</a:t>
+            </a:r>
+            <a:r>
+              <a:rPr lang="nl-BE" dirty="0"/>
+              <a:t> </a:t>
+            </a:r>
+            <a:r>
+              <a:rPr lang="nl-BE" dirty="0" err="1"/>
+              <a:t>be</a:t>
+            </a:r>
+            <a:r>
+              <a:rPr lang="nl-BE" dirty="0"/>
+              <a:t>:</a:t>
+            </a:r>
+          </a:p>
+          <a:p>
+            <a:pPr marL="628650" lvl="1" indent="-171450">
+              <a:buFontTx/>
+              <a:buChar char="-"/>
+            </a:pPr>
+            <a:r>
+              <a:rPr lang="nl-BE" dirty="0" err="1"/>
+              <a:t>Turbulence</a:t>
+            </a:r>
+            <a:endParaRPr lang="nl-BE" dirty="0"/>
+          </a:p>
+          <a:p>
+            <a:pPr marL="628650" lvl="1" indent="-171450">
+              <a:buFontTx/>
+              <a:buChar char="-"/>
+            </a:pPr>
+            <a:r>
+              <a:rPr lang="nl-BE" dirty="0"/>
+              <a:t>Veer</a:t>
+            </a:r>
+          </a:p>
+          <a:p>
+            <a:pPr marL="628650" lvl="1" indent="-171450">
+              <a:buFontTx/>
+              <a:buChar char="-"/>
+            </a:pPr>
+            <a:endParaRPr lang="nl-BE" dirty="0"/>
+          </a:p>
+        </p:txBody>
+      </p:sp>
+      <p:sp>
+        <p:nvSpPr>
+          <p:cNvPr id="4" name="Tijdelijke aanduiding voor dianummer 3"/>
+          <p:cNvSpPr>
+            <a:spLocks noGrp="1"/>
+          </p:cNvSpPr>
+          <p:nvPr>
+            <p:ph type="sldNum" sz="quarter" idx="10"/>
+          </p:nvPr>
+        </p:nvSpPr>
+        <p:spPr/>
+        <p:txBody>
+          <a:bodyPr/>
+          <a:lstStyle/>
+          <a:p>
+            <a:fld id="{CE3DF60C-D949-4729-9552-336DC516620F}" type="slidenum">
+              <a:rPr lang="nl-BE" smtClean="0"/>
+              <a:t>17</a:t>
+            </a:fld>
+            <a:endParaRPr lang="nl-BE"/>
+          </a:p>
+        </p:txBody>
+      </p:sp>
+    </p:spTree>
+    <p:extLst>
+      <p:ext uri="{BB962C8B-B14F-4D97-AF65-F5344CB8AC3E}">
+        <p14:creationId xmlns:p14="http://schemas.microsoft.com/office/powerpoint/2010/main" val="3196866676"/>
+      </p:ext>
+    </p:extLst>
+  </p:cSld>
+  <p:clrMapOvr>
+    <a:masterClrMapping/>
+  </p:clrMapOvr>
+</p:notes>
+</file>
+
+<file path=ppt/notesSlides/notesSlide3.xml><?xml version="1.0" encoding="utf-8"?>
+<p:notes xmlns:a="http://schemas.openxmlformats.org/drawingml/2006/main" xmlns:r="http://schemas.openxmlformats.org/officeDocument/2006/relationships" xmlns:p="http://schemas.openxmlformats.org/presentationml/2006/main">
+  <p:cSld>
+    <p:spTree>
+      <p:nvGrpSpPr>
+        <p:cNvPr id="1" name=""/>
+        <p:cNvGrpSpPr/>
+        <p:nvPr/>
+      </p:nvGrpSpPr>
+      <p:grpSpPr>
+        <a:xfrm>
+          <a:off x="0" y="0"/>
+          <a:ext cx="0" cy="0"/>
+          <a:chOff x="0" y="0"/>
+          <a:chExt cx="0" cy="0"/>
+        </a:xfrm>
+      </p:grpSpPr>
+      <p:sp>
+        <p:nvSpPr>
+          <p:cNvPr id="2" name="Tijdelijke aanduiding voor dia-afbeelding 1"/>
+          <p:cNvSpPr>
+            <a:spLocks noGrp="1" noRot="1" noChangeAspect="1"/>
+          </p:cNvSpPr>
+          <p:nvPr>
+            <p:ph type="sldImg"/>
+          </p:nvPr>
+        </p:nvSpPr>
+        <p:spPr/>
+      </p:sp>
+      <p:sp>
+        <p:nvSpPr>
+          <p:cNvPr id="3" name="Tijdelijke aanduiding voor notities 2"/>
+          <p:cNvSpPr>
+            <a:spLocks noGrp="1"/>
+          </p:cNvSpPr>
+          <p:nvPr>
+            <p:ph type="body" idx="1"/>
+          </p:nvPr>
+        </p:nvSpPr>
+        <p:spPr/>
+        <p:txBody>
+          <a:bodyPr/>
+          <a:lstStyle/>
+          <a:p>
+            <a:endParaRPr lang="nl-BE" dirty="0"/>
+          </a:p>
+        </p:txBody>
+      </p:sp>
+      <p:sp>
+        <p:nvSpPr>
+          <p:cNvPr id="4" name="Tijdelijke aanduiding voor dianummer 3"/>
+          <p:cNvSpPr>
+            <a:spLocks noGrp="1"/>
+          </p:cNvSpPr>
+          <p:nvPr>
+            <p:ph type="sldNum" sz="quarter" idx="10"/>
+          </p:nvPr>
+        </p:nvSpPr>
+        <p:spPr/>
+        <p:txBody>
+          <a:bodyPr/>
+          <a:lstStyle/>
+          <a:p>
+            <a:fld id="{CE3DF60C-D949-4729-9552-336DC516620F}" type="slidenum">
+              <a:rPr lang="nl-BE" smtClean="0"/>
+              <a:t>18</a:t>
+            </a:fld>
+            <a:endParaRPr lang="nl-BE"/>
+          </a:p>
+        </p:txBody>
+      </p:sp>
+    </p:spTree>
+    <p:extLst>
+      <p:ext uri="{BB962C8B-B14F-4D97-AF65-F5344CB8AC3E}">
+        <p14:creationId xmlns:p14="http://schemas.microsoft.com/office/powerpoint/2010/main" val="3313682160"/>
+      </p:ext>
+    </p:extLst>
+  </p:cSld>
+  <p:clrMapOvr>
+    <a:masterClrMapping/>
+  </p:clrMapOvr>
+</p:notes>
+</file>
+
+<file path=ppt/notesSlides/notesSlide4.xml><?xml version="1.0" encoding="utf-8"?>
+<p:notes xmlns:a="http://schemas.openxmlformats.org/drawingml/2006/main" xmlns:r="http://schemas.openxmlformats.org/officeDocument/2006/relationships" xmlns:p="http://schemas.openxmlformats.org/presentationml/2006/main">
+  <p:cSld>
+    <p:spTree>
+      <p:nvGrpSpPr>
+        <p:cNvPr id="1" name=""/>
+        <p:cNvGrpSpPr/>
+        <p:nvPr/>
+      </p:nvGrpSpPr>
+      <p:grpSpPr>
+        <a:xfrm>
+          <a:off x="0" y="0"/>
+          <a:ext cx="0" cy="0"/>
+          <a:chOff x="0" y="0"/>
+          <a:chExt cx="0" cy="0"/>
+        </a:xfrm>
+      </p:grpSpPr>
+      <p:sp>
+        <p:nvSpPr>
+          <p:cNvPr id="2" name="Tijdelijke aanduiding voor dia-afbeelding 1"/>
+          <p:cNvSpPr>
+            <a:spLocks noGrp="1" noRot="1" noChangeAspect="1"/>
+          </p:cNvSpPr>
+          <p:nvPr>
+            <p:ph type="sldImg"/>
+          </p:nvPr>
+        </p:nvSpPr>
+        <p:spPr/>
+      </p:sp>
+      <p:sp>
+        <p:nvSpPr>
+          <p:cNvPr id="3" name="Tijdelijke aanduiding voor notities 2"/>
+          <p:cNvSpPr>
+            <a:spLocks noGrp="1"/>
+          </p:cNvSpPr>
+          <p:nvPr>
+            <p:ph type="body" idx="1"/>
+          </p:nvPr>
+        </p:nvSpPr>
+        <p:spPr/>
+        <p:txBody>
+          <a:bodyPr/>
+          <a:lstStyle/>
+          <a:p>
+            <a:pPr marL="171450" indent="-171450">
+              <a:buFontTx/>
+              <a:buChar char="-"/>
+            </a:pPr>
+            <a:r>
+              <a:rPr lang="nl-BE" dirty="0" err="1"/>
+              <a:t>Wakes</a:t>
+            </a:r>
+            <a:r>
+              <a:rPr lang="nl-BE" dirty="0"/>
+              <a:t> at WT2 </a:t>
+            </a:r>
+            <a:r>
+              <a:rPr lang="nl-BE" dirty="0" err="1"/>
+              <a:t>and</a:t>
+            </a:r>
+            <a:r>
+              <a:rPr lang="nl-BE" dirty="0"/>
+              <a:t> WT3 </a:t>
+            </a:r>
+            <a:r>
+              <a:rPr lang="nl-BE" dirty="0" err="1"/>
+              <a:t>should</a:t>
+            </a:r>
+            <a:r>
+              <a:rPr lang="nl-BE" dirty="0"/>
+              <a:t> </a:t>
+            </a:r>
+            <a:r>
+              <a:rPr lang="nl-BE" dirty="0" err="1"/>
+              <a:t>be</a:t>
+            </a:r>
+            <a:r>
+              <a:rPr lang="nl-BE" dirty="0"/>
+              <a:t> </a:t>
+            </a:r>
+            <a:r>
+              <a:rPr lang="nl-BE" dirty="0" err="1"/>
+              <a:t>scaled</a:t>
+            </a:r>
+            <a:r>
+              <a:rPr lang="nl-BE" dirty="0"/>
+              <a:t> as </a:t>
+            </a:r>
+            <a:r>
+              <a:rPr lang="nl-BE" dirty="0" err="1"/>
+              <a:t>averaged</a:t>
+            </a:r>
+            <a:r>
+              <a:rPr lang="nl-BE" dirty="0"/>
+              <a:t> wind speed is </a:t>
+            </a:r>
+            <a:r>
+              <a:rPr lang="nl-BE" dirty="0" err="1"/>
+              <a:t>not</a:t>
+            </a:r>
+            <a:r>
+              <a:rPr lang="nl-BE" dirty="0"/>
+              <a:t> </a:t>
+            </a:r>
+            <a:r>
+              <a:rPr lang="nl-BE" dirty="0" err="1"/>
+              <a:t>the</a:t>
+            </a:r>
+            <a:r>
+              <a:rPr lang="nl-BE" dirty="0"/>
+              <a:t> </a:t>
+            </a:r>
+            <a:r>
+              <a:rPr lang="nl-BE" dirty="0" err="1"/>
+              <a:t>same</a:t>
+            </a:r>
+            <a:r>
+              <a:rPr lang="nl-BE" dirty="0"/>
+              <a:t> as </a:t>
+            </a:r>
+            <a:r>
+              <a:rPr lang="nl-BE" dirty="0" err="1"/>
+              <a:t>the</a:t>
+            </a:r>
+            <a:r>
+              <a:rPr lang="nl-BE" dirty="0"/>
+              <a:t> </a:t>
+            </a:r>
+            <a:r>
+              <a:rPr lang="nl-BE" dirty="0" err="1"/>
+              <a:t>undistrubed</a:t>
+            </a:r>
+            <a:r>
+              <a:rPr lang="nl-BE" dirty="0"/>
+              <a:t> </a:t>
+            </a:r>
+            <a:r>
+              <a:rPr lang="nl-BE" dirty="0" err="1"/>
+              <a:t>inflow</a:t>
+            </a:r>
+            <a:r>
+              <a:rPr lang="nl-BE" dirty="0"/>
+              <a:t> wind speed</a:t>
+            </a:r>
+          </a:p>
+          <a:p>
+            <a:pPr marL="171450" indent="-171450">
+              <a:buFontTx/>
+              <a:buChar char="-"/>
+            </a:pPr>
+            <a:r>
+              <a:rPr lang="nl-BE" dirty="0"/>
+              <a:t>Wake </a:t>
+            </a:r>
+            <a:r>
+              <a:rPr lang="nl-BE" dirty="0" err="1"/>
+              <a:t>can</a:t>
+            </a:r>
+            <a:r>
+              <a:rPr lang="nl-BE" dirty="0"/>
+              <a:t> </a:t>
+            </a:r>
+            <a:r>
+              <a:rPr lang="nl-BE" dirty="0" err="1"/>
+              <a:t>be</a:t>
+            </a:r>
+            <a:r>
+              <a:rPr lang="nl-BE" dirty="0"/>
+              <a:t> </a:t>
+            </a:r>
+            <a:r>
+              <a:rPr lang="nl-BE" dirty="0" err="1"/>
+              <a:t>scaled</a:t>
+            </a:r>
+            <a:r>
+              <a:rPr lang="nl-BE" dirty="0"/>
+              <a:t> </a:t>
+            </a:r>
+            <a:r>
+              <a:rPr lang="nl-BE" dirty="0" err="1"/>
+              <a:t>if</a:t>
+            </a:r>
+            <a:r>
+              <a:rPr lang="nl-BE" dirty="0"/>
+              <a:t> CT is </a:t>
+            </a:r>
+            <a:r>
+              <a:rPr lang="nl-BE" dirty="0" err="1"/>
+              <a:t>the</a:t>
+            </a:r>
+            <a:r>
+              <a:rPr lang="nl-BE" dirty="0"/>
+              <a:t> </a:t>
+            </a:r>
+            <a:r>
+              <a:rPr lang="nl-BE" dirty="0" err="1"/>
+              <a:t>same</a:t>
+            </a:r>
+            <a:endParaRPr lang="nl-BE" dirty="0"/>
+          </a:p>
+          <a:p>
+            <a:pPr marL="0" indent="0">
+              <a:buFontTx/>
+              <a:buNone/>
+            </a:pPr>
+            <a:endParaRPr lang="nl-BE" dirty="0"/>
+          </a:p>
+        </p:txBody>
+      </p:sp>
+      <p:sp>
+        <p:nvSpPr>
+          <p:cNvPr id="4" name="Tijdelijke aanduiding voor dianummer 3"/>
+          <p:cNvSpPr>
+            <a:spLocks noGrp="1"/>
+          </p:cNvSpPr>
+          <p:nvPr>
+            <p:ph type="sldNum" sz="quarter" idx="10"/>
+          </p:nvPr>
+        </p:nvSpPr>
+        <p:spPr/>
+        <p:txBody>
+          <a:bodyPr/>
+          <a:lstStyle/>
+          <a:p>
+            <a:fld id="{CE3DF60C-D949-4729-9552-336DC516620F}" type="slidenum">
+              <a:rPr lang="nl-BE" smtClean="0"/>
+              <a:t>20</a:t>
+            </a:fld>
+            <a:endParaRPr lang="nl-BE"/>
+          </a:p>
+        </p:txBody>
+      </p:sp>
+    </p:spTree>
+    <p:extLst>
+      <p:ext uri="{BB962C8B-B14F-4D97-AF65-F5344CB8AC3E}">
+        <p14:creationId xmlns:p14="http://schemas.microsoft.com/office/powerpoint/2010/main" val="2700472181"/>
       </p:ext>
     </p:extLst>
   </p:cSld>
@@ -5008,8 +5640,20 @@
           <a:p>
             <a:pPr lvl="1"/>
             <a:r>
-              <a:rPr lang="nl-BE" dirty="0" err="1"/>
-              <a:t>Spatial</a:t>
+              <a:rPr lang="nl-BE" dirty="0"/>
+              <a:t>Volume </a:t>
+            </a:r>
+            <a:r>
+              <a:rPr lang="nl-BE" dirty="0" err="1"/>
+              <a:t>averaging</a:t>
+            </a:r>
+            <a:r>
+              <a:rPr lang="nl-BE" dirty="0"/>
+              <a:t> (</a:t>
+            </a:r>
+            <a:r>
+              <a:rPr lang="nl-BE" dirty="0" err="1"/>
+              <a:t>formed</a:t>
             </a:r>
             <a:r>
               <a:rPr lang="nl-BE" dirty="0"/>
@@ -5017,11 +5661,11 @@
             </a:r>
             <a:r>
               <a:rPr lang="nl-BE" dirty="0" err="1"/>
-              <a:t>averaging</a:t>
-            </a:r>
-            <a:r>
-              <a:rPr lang="nl-BE" dirty="0"/>
-              <a:t> on </a:t>
+              <a:t>by</a:t>
+            </a:r>
+            <a:r>
+              <a:rPr lang="nl-BE" dirty="0"/>
+              <a:t> </a:t>
             </a:r>
             <a:r>
               <a:rPr lang="nl-BE" dirty="0" err="1"/>
@@ -5035,7 +5679,26 @@
               <a:rPr lang="nl-BE" dirty="0" err="1"/>
               <a:t>planes</a:t>
             </a:r>
-            <a:endParaRPr lang="nl-BE" dirty="0"/>
+            <a:r>
+              <a:rPr lang="nl-BE" dirty="0"/>
+              <a:t> </a:t>
+            </a:r>
+            <a:r>
+              <a:rPr lang="nl-BE" dirty="0" err="1"/>
+              <a:t>and</a:t>
+            </a:r>
+            <a:r>
+              <a:rPr lang="nl-BE" dirty="0"/>
+              <a:t> </a:t>
+            </a:r>
+            <a:r>
+              <a:rPr lang="nl-BE" dirty="0" err="1"/>
+              <a:t>grid</a:t>
+            </a:r>
+            <a:r>
+              <a:rPr lang="nl-BE" dirty="0"/>
+              <a:t> points)</a:t>
+            </a:r>
           </a:p>
           <a:p>
             <a:pPr lvl="1"/>
@@ -5721,7 +6384,7 @@
 </file>
 
 <file path=ppt/slides/slide16.xml><?xml version="1.0" encoding="utf-8"?>
-<p:sld xmlns:a="http://schemas.openxmlformats.org/drawingml/2006/main" xmlns:r="http://schemas.openxmlformats.org/officeDocument/2006/relationships" xmlns:p="http://schemas.openxmlformats.org/presentationml/2006/main">
+<p:sld xmlns:a="http://schemas.openxmlformats.org/drawingml/2006/main" xmlns:r="http://schemas.openxmlformats.org/officeDocument/2006/relationships" xmlns:p="http://schemas.openxmlformats.org/presentationml/2006/main" show="0">
   <p:cSld>
     <p:spTree>
       <p:nvGrpSpPr>
@@ -6098,7 +6761,7 @@
           <p:nvPr/>
         </p:nvPicPr>
         <p:blipFill rotWithShape="1">
-          <a:blip r:embed="rId2">
+          <a:blip r:embed="rId3">
             <a:clrChange>
               <a:clrFrom>
                 <a:srgbClr val="F0F0F0"/>
@@ -6138,7 +6801,7 @@
           <p:nvPr/>
         </p:nvPicPr>
         <p:blipFill rotWithShape="1">
-          <a:blip r:embed="rId2">
+          <a:blip r:embed="rId3">
             <a:clrChange>
               <a:clrFrom>
                 <a:srgbClr val="F0F0F0"/>
@@ -6367,431 +7030,6 @@
 </file>
 
 <file path=ppt/slides/slide18.xml><?xml version="1.0" encoding="utf-8"?>
-<p:sld xmlns:a="http://schemas.openxmlformats.org/drawingml/2006/main" xmlns:r="http://schemas.openxmlformats.org/officeDocument/2006/relationships" xmlns:p="http://schemas.openxmlformats.org/presentationml/2006/main">
-  <p:cSld>
-    <p:spTree>
-      <p:nvGrpSpPr>
-        <p:cNvPr id="1" name=""/>
-        <p:cNvGrpSpPr/>
-        <p:nvPr/>
-      </p:nvGrpSpPr>
-      <p:grpSpPr>
-        <a:xfrm>
-          <a:off x="0" y="0"/>
-          <a:ext cx="0" cy="0"/>
-          <a:chOff x="0" y="0"/>
-          <a:chExt cx="0" cy="0"/>
-        </a:xfrm>
-      </p:grpSpPr>
-      <p:sp>
-        <p:nvSpPr>
-          <p:cNvPr id="6" name="Titel 1">
-            <a:extLst>
-              <a:ext uri="{FF2B5EF4-FFF2-40B4-BE49-F238E27FC236}">
-                <a16:creationId xmlns:a16="http://schemas.microsoft.com/office/drawing/2014/main" id="{2E3A9046-FF28-404F-A8EF-BE4BC86019F8}"/>
-              </a:ext>
-            </a:extLst>
-          </p:cNvPr>
-          <p:cNvSpPr txBox="1">
-            <a:spLocks/>
-          </p:cNvSpPr>
-          <p:nvPr/>
-        </p:nvSpPr>
-        <p:spPr>
-          <a:xfrm>
-            <a:off x="755923" y="114299"/>
-            <a:ext cx="10515600" cy="521311"/>
-          </a:xfrm>
-          <a:prstGeom prst="rect">
-            <a:avLst/>
-          </a:prstGeom>
-        </p:spPr>
-        <p:txBody>
-          <a:bodyPr vert="horz" lIns="91440" tIns="45720" rIns="91440" bIns="45720" rtlCol="0" anchor="ctr">
-            <a:normAutofit fontScale="82500" lnSpcReduction="20000"/>
-          </a:bodyPr>
-          <a:lstStyle>
-            <a:lvl1pPr algn="l" defTabSz="914400" rtl="0" eaLnBrk="1" latinLnBrk="0" hangingPunct="1">
-              <a:lnSpc>
-                <a:spcPct val="90000"/>
-              </a:lnSpc>
-              <a:spcBef>
-                <a:spcPct val="0"/>
-              </a:spcBef>
-              <a:buNone/>
-              <a:defRPr sz="4400" kern="1200">
-                <a:solidFill>
-                  <a:schemeClr val="tx1"/>
-                </a:solidFill>
-                <a:latin typeface="+mj-lt"/>
-                <a:ea typeface="+mj-ea"/>
-                <a:cs typeface="+mj-cs"/>
-              </a:defRPr>
-            </a:lvl1pPr>
-          </a:lstStyle>
-          <a:p>
-            <a:r>
-              <a:rPr lang="nl-BE" dirty="0"/>
-              <a:t>2. LES </a:t>
-            </a:r>
-            <a:r>
-              <a:rPr lang="nl-BE" dirty="0" err="1"/>
-              <a:t>superposition</a:t>
-            </a:r>
-            <a:r>
-              <a:rPr lang="nl-BE" dirty="0"/>
-              <a:t> (Single Wake)</a:t>
-            </a:r>
-          </a:p>
-        </p:txBody>
-      </p:sp>
-      <p:pic>
-        <p:nvPicPr>
-          <p:cNvPr id="8" name="Afbeelding 7">
-            <a:extLst>
-              <a:ext uri="{FF2B5EF4-FFF2-40B4-BE49-F238E27FC236}">
-                <a16:creationId xmlns:a16="http://schemas.microsoft.com/office/drawing/2014/main" id="{6BF4E318-24C4-48BA-9166-F9B1BB8020E2}"/>
-              </a:ext>
-            </a:extLst>
-          </p:cNvPr>
-          <p:cNvPicPr>
-            <a:picLocks noChangeAspect="1"/>
-          </p:cNvPicPr>
-          <p:nvPr/>
-        </p:nvPicPr>
-        <p:blipFill rotWithShape="1">
-          <a:blip r:embed="rId2">
-            <a:clrChange>
-              <a:clrFrom>
-                <a:srgbClr val="F0F0F0"/>
-              </a:clrFrom>
-              <a:clrTo>
-                <a:srgbClr val="F0F0F0">
-                  <a:alpha val="0"/>
-                </a:srgbClr>
-              </a:clrTo>
-            </a:clrChange>
-          </a:blip>
-          <a:srcRect t="2196" b="54272"/>
-          <a:stretch/>
-        </p:blipFill>
-        <p:spPr>
-          <a:xfrm>
-            <a:off x="-10260" y="1350082"/>
-            <a:ext cx="10515601" cy="2358232"/>
-          </a:xfrm>
-          <a:prstGeom prst="rect">
-            <a:avLst/>
-          </a:prstGeom>
-        </p:spPr>
-      </p:pic>
-      <p:sp>
-        <p:nvSpPr>
-          <p:cNvPr id="9" name="Tekstvak 8">
-            <a:extLst>
-              <a:ext uri="{FF2B5EF4-FFF2-40B4-BE49-F238E27FC236}">
-                <a16:creationId xmlns:a16="http://schemas.microsoft.com/office/drawing/2014/main" id="{9E385838-114E-4FDA-A988-A7D8F138AD7A}"/>
-              </a:ext>
-            </a:extLst>
-          </p:cNvPr>
-          <p:cNvSpPr txBox="1"/>
-          <p:nvPr/>
-        </p:nvSpPr>
-        <p:spPr>
-          <a:xfrm>
-            <a:off x="485775" y="6324600"/>
-            <a:ext cx="7477125" cy="369332"/>
-          </a:xfrm>
-          <a:prstGeom prst="rect">
-            <a:avLst/>
-          </a:prstGeom>
-          <a:noFill/>
-        </p:spPr>
-        <p:txBody>
-          <a:bodyPr wrap="square" rtlCol="0">
-            <a:spAutoFit/>
-          </a:bodyPr>
-          <a:lstStyle/>
-          <a:p>
-            <a:r>
-              <a:rPr lang="nl-BE" dirty="0" err="1"/>
-              <a:t>Deflection</a:t>
-            </a:r>
-            <a:r>
-              <a:rPr lang="nl-BE" dirty="0"/>
-              <a:t> of center line (</a:t>
-            </a:r>
-            <a:r>
-              <a:rPr lang="nl-BE" dirty="0" err="1"/>
-              <a:t>Jiménez</a:t>
-            </a:r>
-            <a:r>
-              <a:rPr lang="nl-BE" dirty="0"/>
-              <a:t> et al., Gebraad et al.)</a:t>
-            </a:r>
-          </a:p>
-        </p:txBody>
-      </p:sp>
-      <p:pic>
-        <p:nvPicPr>
-          <p:cNvPr id="10" name="Afbeelding 9">
-            <a:extLst>
-              <a:ext uri="{FF2B5EF4-FFF2-40B4-BE49-F238E27FC236}">
-                <a16:creationId xmlns:a16="http://schemas.microsoft.com/office/drawing/2014/main" id="{2C6AF42B-7EA8-4EA7-AC1C-5B55211D00CB}"/>
-              </a:ext>
-            </a:extLst>
-          </p:cNvPr>
-          <p:cNvPicPr>
-            <a:picLocks noChangeAspect="1"/>
-          </p:cNvPicPr>
-          <p:nvPr/>
-        </p:nvPicPr>
-        <p:blipFill rotWithShape="1">
-          <a:blip r:embed="rId2">
-            <a:clrChange>
-              <a:clrFrom>
-                <a:srgbClr val="F0F0F0"/>
-              </a:clrFrom>
-              <a:clrTo>
-                <a:srgbClr val="F0F0F0">
-                  <a:alpha val="0"/>
-                </a:srgbClr>
-              </a:clrTo>
-            </a:clrChange>
-          </a:blip>
-          <a:srcRect t="56467"/>
-          <a:stretch/>
-        </p:blipFill>
-        <p:spPr>
-          <a:xfrm>
-            <a:off x="0" y="3966368"/>
-            <a:ext cx="10515601" cy="2358232"/>
-          </a:xfrm>
-          <a:prstGeom prst="rect">
-            <a:avLst/>
-          </a:prstGeom>
-        </p:spPr>
-      </p:pic>
-      <p:sp>
-        <p:nvSpPr>
-          <p:cNvPr id="11" name="Tekstvak 10">
-            <a:extLst>
-              <a:ext uri="{FF2B5EF4-FFF2-40B4-BE49-F238E27FC236}">
-                <a16:creationId xmlns:a16="http://schemas.microsoft.com/office/drawing/2014/main" id="{FE0E4684-5617-4F9F-B438-B0E44E87F144}"/>
-              </a:ext>
-            </a:extLst>
-          </p:cNvPr>
-          <p:cNvSpPr txBox="1"/>
-          <p:nvPr/>
-        </p:nvSpPr>
-        <p:spPr>
-          <a:xfrm>
-            <a:off x="571500" y="722697"/>
-            <a:ext cx="7477125" cy="369332"/>
-          </a:xfrm>
-          <a:prstGeom prst="rect">
-            <a:avLst/>
-          </a:prstGeom>
-          <a:noFill/>
-        </p:spPr>
-        <p:txBody>
-          <a:bodyPr wrap="square" rtlCol="0">
-            <a:spAutoFit/>
-          </a:bodyPr>
-          <a:lstStyle/>
-          <a:p>
-            <a:r>
-              <a:rPr lang="nl-BE" dirty="0" err="1"/>
-              <a:t>Yaw</a:t>
-            </a:r>
-            <a:r>
-              <a:rPr lang="nl-BE" dirty="0"/>
-              <a:t> error </a:t>
-            </a:r>
-            <a:r>
-              <a:rPr lang="nl-BE" dirty="0" err="1"/>
-              <a:t>implemented</a:t>
-            </a:r>
-            <a:r>
-              <a:rPr lang="nl-BE" dirty="0"/>
-              <a:t> in LES in </a:t>
-            </a:r>
-            <a:r>
-              <a:rPr lang="nl-BE" dirty="0" err="1"/>
-              <a:t>degrees</a:t>
-            </a:r>
-            <a:r>
-              <a:rPr lang="nl-BE" dirty="0"/>
-              <a:t> or </a:t>
-            </a:r>
-            <a:r>
-              <a:rPr lang="nl-BE" dirty="0" err="1"/>
-              <a:t>radians</a:t>
-            </a:r>
-            <a:r>
-              <a:rPr lang="nl-BE" dirty="0"/>
-              <a:t>?</a:t>
-            </a:r>
-          </a:p>
-        </p:txBody>
-      </p:sp>
-      <p:sp>
-        <p:nvSpPr>
-          <p:cNvPr id="12" name="Tekstvak 11">
-            <a:extLst>
-              <a:ext uri="{FF2B5EF4-FFF2-40B4-BE49-F238E27FC236}">
-                <a16:creationId xmlns:a16="http://schemas.microsoft.com/office/drawing/2014/main" id="{09E2F6E8-352C-49C3-BD0D-296446687389}"/>
-              </a:ext>
-            </a:extLst>
-          </p:cNvPr>
-          <p:cNvSpPr txBox="1"/>
-          <p:nvPr/>
-        </p:nvSpPr>
-        <p:spPr>
-          <a:xfrm>
-            <a:off x="10505342" y="907363"/>
-            <a:ext cx="1803890" cy="5078313"/>
-          </a:xfrm>
-          <a:prstGeom prst="rect">
-            <a:avLst/>
-          </a:prstGeom>
-          <a:noFill/>
-        </p:spPr>
-        <p:txBody>
-          <a:bodyPr wrap="square" rtlCol="0">
-            <a:spAutoFit/>
-          </a:bodyPr>
-          <a:lstStyle/>
-          <a:p>
-            <a:r>
-              <a:rPr lang="nl-BE" dirty="0" err="1"/>
-              <a:t>Deflection</a:t>
-            </a:r>
-            <a:r>
-              <a:rPr lang="nl-BE" dirty="0"/>
-              <a:t> of </a:t>
-            </a:r>
-            <a:br>
-              <a:rPr lang="nl-BE" dirty="0"/>
-            </a:br>
-            <a:r>
-              <a:rPr lang="nl-BE" dirty="0"/>
-              <a:t>center line </a:t>
-            </a:r>
-            <a:r>
-              <a:rPr lang="nl-BE" dirty="0" err="1"/>
-              <a:t>if</a:t>
-            </a:r>
-            <a:br>
-              <a:rPr lang="nl-BE" dirty="0"/>
-            </a:br>
-            <a:endParaRPr lang="nl-BE" dirty="0"/>
-          </a:p>
-          <a:p>
-            <a:br>
-              <a:rPr lang="nl-BE" dirty="0"/>
-            </a:br>
-            <a:r>
-              <a:rPr lang="nl-BE" dirty="0" err="1"/>
-              <a:t>Yaw</a:t>
-            </a:r>
-            <a:r>
-              <a:rPr lang="nl-BE" dirty="0"/>
-              <a:t> error</a:t>
-            </a:r>
-          </a:p>
-          <a:p>
-            <a:r>
-              <a:rPr lang="nl-BE" dirty="0"/>
-              <a:t>Case 1: -1,06 rad = -60,7° </a:t>
-            </a:r>
-          </a:p>
-          <a:p>
-            <a:endParaRPr lang="nl-BE" dirty="0"/>
-          </a:p>
-          <a:p>
-            <a:endParaRPr lang="nl-BE" dirty="0"/>
-          </a:p>
-          <a:p>
-            <a:endParaRPr lang="nl-BE" dirty="0"/>
-          </a:p>
-          <a:p>
-            <a:endParaRPr lang="nl-BE" dirty="0"/>
-          </a:p>
-          <a:p>
-            <a:endParaRPr lang="nl-BE" dirty="0"/>
-          </a:p>
-          <a:p>
-            <a:endParaRPr lang="nl-BE" dirty="0"/>
-          </a:p>
-          <a:p>
-            <a:endParaRPr lang="nl-BE" dirty="0"/>
-          </a:p>
-          <a:p>
-            <a:endParaRPr lang="nl-BE" dirty="0"/>
-          </a:p>
-          <a:p>
-            <a:r>
-              <a:rPr lang="nl-BE" dirty="0" err="1"/>
-              <a:t>Yaw</a:t>
-            </a:r>
-            <a:r>
-              <a:rPr lang="nl-BE" dirty="0"/>
-              <a:t> error</a:t>
-            </a:r>
-            <a:br>
-              <a:rPr lang="nl-BE" dirty="0"/>
-            </a:br>
-            <a:r>
-              <a:rPr lang="nl-BE" dirty="0"/>
-              <a:t>Case 3: -0,52 rad = -29,8°</a:t>
-            </a:r>
-          </a:p>
-        </p:txBody>
-      </p:sp>
-      <p:sp>
-        <p:nvSpPr>
-          <p:cNvPr id="13" name="Tijdelijke aanduiding voor dianummer 12">
-            <a:extLst>
-              <a:ext uri="{FF2B5EF4-FFF2-40B4-BE49-F238E27FC236}">
-                <a16:creationId xmlns:a16="http://schemas.microsoft.com/office/drawing/2014/main" id="{237E5235-39CF-4591-AA21-6A9B36085383}"/>
-              </a:ext>
-            </a:extLst>
-          </p:cNvPr>
-          <p:cNvSpPr>
-            <a:spLocks noGrp="1"/>
-          </p:cNvSpPr>
-          <p:nvPr>
-            <p:ph type="sldNum" sz="quarter" idx="12"/>
-          </p:nvPr>
-        </p:nvSpPr>
-        <p:spPr/>
-        <p:txBody>
-          <a:bodyPr/>
-          <a:lstStyle/>
-          <a:p>
-            <a:fld id="{1AB46CEE-3AE5-4CB7-A737-0ADD03AC3812}" type="slidenum">
-              <a:rPr lang="nl-BE" smtClean="0"/>
-              <a:t>18</a:t>
-            </a:fld>
-            <a:endParaRPr lang="nl-BE"/>
-          </a:p>
-        </p:txBody>
-      </p:sp>
-    </p:spTree>
-    <p:extLst>
-      <p:ext uri="{BB962C8B-B14F-4D97-AF65-F5344CB8AC3E}">
-        <p14:creationId xmlns:p14="http://schemas.microsoft.com/office/powerpoint/2010/main" val="1139059705"/>
-      </p:ext>
-    </p:extLst>
-  </p:cSld>
-  <p:clrMapOvr>
-    <a:masterClrMapping/>
-  </p:clrMapOvr>
-</p:sld>
-</file>
-
-<file path=ppt/slides/slide19.xml><?xml version="1.0" encoding="utf-8"?>
 <p:sld xmlns:a="http://schemas.openxmlformats.org/drawingml/2006/main" xmlns:r="http://schemas.openxmlformats.org/officeDocument/2006/relationships" xmlns:p="http://schemas.openxmlformats.org/presentationml/2006/main" show="0">
   <p:cSld>
     <p:spTree>
@@ -6873,7 +7111,7 @@
           <p:nvPr/>
         </p:nvPicPr>
         <p:blipFill>
-          <a:blip r:embed="rId2">
+          <a:blip r:embed="rId3">
             <a:clrChange>
               <a:clrFrom>
                 <a:srgbClr val="F0F0F0"/>
@@ -6922,7 +7160,7 @@
           <a:p>
             <a:fld id="{1AB46CEE-3AE5-4CB7-A737-0ADD03AC3812}" type="slidenum">
               <a:rPr lang="nl-BE" smtClean="0"/>
-              <a:t>19</a:t>
+              <a:t>18</a:t>
             </a:fld>
             <a:endParaRPr lang="nl-BE"/>
           </a:p>
@@ -6941,172 +7179,7 @@
 </p:sld>
 </file>
 
-<file path=ppt/slides/slide2.xml><?xml version="1.0" encoding="utf-8"?>
-<p:sld xmlns:a="http://schemas.openxmlformats.org/drawingml/2006/main" xmlns:r="http://schemas.openxmlformats.org/officeDocument/2006/relationships" xmlns:p="http://schemas.openxmlformats.org/presentationml/2006/main">
-  <p:cSld>
-    <p:spTree>
-      <p:nvGrpSpPr>
-        <p:cNvPr id="1" name=""/>
-        <p:cNvGrpSpPr/>
-        <p:nvPr/>
-      </p:nvGrpSpPr>
-      <p:grpSpPr>
-        <a:xfrm>
-          <a:off x="0" y="0"/>
-          <a:ext cx="0" cy="0"/>
-          <a:chOff x="0" y="0"/>
-          <a:chExt cx="0" cy="0"/>
-        </a:xfrm>
-      </p:grpSpPr>
-      <p:sp>
-        <p:nvSpPr>
-          <p:cNvPr id="2" name="Titel 1">
-            <a:extLst>
-              <a:ext uri="{FF2B5EF4-FFF2-40B4-BE49-F238E27FC236}">
-                <a16:creationId xmlns:a16="http://schemas.microsoft.com/office/drawing/2014/main" id="{BC017439-3A5C-4E7B-9254-D15C3D7D2B11}"/>
-              </a:ext>
-            </a:extLst>
-          </p:cNvPr>
-          <p:cNvSpPr>
-            <a:spLocks noGrp="1"/>
-          </p:cNvSpPr>
-          <p:nvPr>
-            <p:ph type="title"/>
-          </p:nvPr>
-        </p:nvSpPr>
-        <p:spPr/>
-        <p:txBody>
-          <a:bodyPr/>
-          <a:lstStyle/>
-          <a:p>
-            <a:r>
-              <a:rPr lang="nl-BE" dirty="0"/>
-              <a:t>Agenda</a:t>
-            </a:r>
-          </a:p>
-        </p:txBody>
-      </p:sp>
-      <p:sp>
-        <p:nvSpPr>
-          <p:cNvPr id="3" name="Tijdelijke aanduiding voor inhoud 2">
-            <a:extLst>
-              <a:ext uri="{FF2B5EF4-FFF2-40B4-BE49-F238E27FC236}">
-                <a16:creationId xmlns:a16="http://schemas.microsoft.com/office/drawing/2014/main" id="{061F26B2-7D89-41C9-8F06-4E50D48859A7}"/>
-              </a:ext>
-            </a:extLst>
-          </p:cNvPr>
-          <p:cNvSpPr>
-            <a:spLocks noGrp="1"/>
-          </p:cNvSpPr>
-          <p:nvPr>
-            <p:ph idx="1"/>
-          </p:nvPr>
-        </p:nvSpPr>
-        <p:spPr/>
-        <p:txBody>
-          <a:bodyPr/>
-          <a:lstStyle/>
-          <a:p>
-            <a:pPr marL="514350" indent="-514350">
-              <a:buFont typeface="+mj-lt"/>
-              <a:buAutoNum type="arabicPeriod"/>
-            </a:pPr>
-            <a:r>
-              <a:rPr lang="nl-BE" dirty="0"/>
-              <a:t>New LES </a:t>
-            </a:r>
-            <a:r>
-              <a:rPr lang="nl-BE" dirty="0" err="1"/>
-              <a:t>simulations</a:t>
-            </a:r>
-            <a:r>
-              <a:rPr lang="nl-BE" dirty="0"/>
-              <a:t> (</a:t>
-            </a:r>
-            <a:r>
-              <a:rPr lang="nl-BE" dirty="0" err="1"/>
-              <a:t>preliminary</a:t>
-            </a:r>
-            <a:r>
-              <a:rPr lang="nl-BE" dirty="0"/>
-              <a:t> </a:t>
-            </a:r>
-            <a:r>
-              <a:rPr lang="nl-BE" dirty="0" err="1"/>
-              <a:t>results</a:t>
-            </a:r>
-            <a:r>
-              <a:rPr lang="nl-BE" dirty="0"/>
-              <a:t>)</a:t>
-            </a:r>
-          </a:p>
-          <a:p>
-            <a:pPr marL="514350" indent="-514350">
-              <a:buFont typeface="+mj-lt"/>
-              <a:buAutoNum type="arabicPeriod"/>
-            </a:pPr>
-            <a:r>
-              <a:rPr lang="nl-BE" dirty="0"/>
-              <a:t>LES </a:t>
-            </a:r>
-            <a:r>
-              <a:rPr lang="nl-BE" dirty="0" err="1"/>
-              <a:t>superposition</a:t>
-            </a:r>
-            <a:endParaRPr lang="nl-BE" dirty="0"/>
-          </a:p>
-          <a:p>
-            <a:pPr marL="514350" indent="-514350">
-              <a:buFont typeface="+mj-lt"/>
-              <a:buAutoNum type="arabicPeriod"/>
-            </a:pPr>
-            <a:endParaRPr lang="nl-BE" dirty="0"/>
-          </a:p>
-        </p:txBody>
-      </p:sp>
-      <p:sp>
-        <p:nvSpPr>
-          <p:cNvPr id="4" name="Tijdelijke aanduiding voor dianummer 3">
-            <a:extLst>
-              <a:ext uri="{FF2B5EF4-FFF2-40B4-BE49-F238E27FC236}">
-                <a16:creationId xmlns:a16="http://schemas.microsoft.com/office/drawing/2014/main" id="{970EA9C6-CE9C-42B5-AB1C-CACC39114A0B}"/>
-              </a:ext>
-            </a:extLst>
-          </p:cNvPr>
-          <p:cNvSpPr>
-            <a:spLocks noGrp="1"/>
-          </p:cNvSpPr>
-          <p:nvPr>
-            <p:ph type="sldNum" sz="quarter" idx="12"/>
-          </p:nvPr>
-        </p:nvSpPr>
-        <p:spPr/>
-        <p:txBody>
-          <a:bodyPr/>
-          <a:lstStyle/>
-          <a:p>
-            <a:fld id="{1AB46CEE-3AE5-4CB7-A737-0ADD03AC3812}" type="slidenum">
-              <a:rPr lang="nl-BE" smtClean="0"/>
-              <a:t>2</a:t>
-            </a:fld>
-            <a:endParaRPr lang="nl-BE"/>
-          </a:p>
-        </p:txBody>
-      </p:sp>
-    </p:spTree>
-    <p:extLst>
-      <p:ext uri="{BB962C8B-B14F-4D97-AF65-F5344CB8AC3E}">
-        <p14:creationId xmlns:p14="http://schemas.microsoft.com/office/powerpoint/2010/main" val="497422063"/>
-      </p:ext>
-    </p:extLst>
-  </p:cSld>
-  <p:clrMapOvr>
-    <a:masterClrMapping/>
-  </p:clrMapOvr>
-</p:sld>
-</file>
-
-<file path=ppt/slides/slide20.xml><?xml version="1.0" encoding="utf-8"?>
+<file path=ppt/slides/slide19.xml><?xml version="1.0" encoding="utf-8"?>
 <p:sld xmlns:a="http://schemas.openxmlformats.org/drawingml/2006/main" xmlns:r="http://schemas.openxmlformats.org/officeDocument/2006/relationships" xmlns:p="http://schemas.openxmlformats.org/presentationml/2006/main" show="0">
   <p:cSld>
     <p:spTree>
@@ -7187,7 +7260,7 @@
           <a:p>
             <a:fld id="{1AB46CEE-3AE5-4CB7-A737-0ADD03AC3812}" type="slidenum">
               <a:rPr lang="nl-BE" smtClean="0"/>
-              <a:t>20</a:t>
+              <a:t>19</a:t>
             </a:fld>
             <a:endParaRPr lang="nl-BE"/>
           </a:p>
@@ -7206,7 +7279,172 @@
 </p:sld>
 </file>
 
-<file path=ppt/slides/slide21.xml><?xml version="1.0" encoding="utf-8"?>
+<file path=ppt/slides/slide2.xml><?xml version="1.0" encoding="utf-8"?>
+<p:sld xmlns:a="http://schemas.openxmlformats.org/drawingml/2006/main" xmlns:r="http://schemas.openxmlformats.org/officeDocument/2006/relationships" xmlns:p="http://schemas.openxmlformats.org/presentationml/2006/main">
+  <p:cSld>
+    <p:spTree>
+      <p:nvGrpSpPr>
+        <p:cNvPr id="1" name=""/>
+        <p:cNvGrpSpPr/>
+        <p:nvPr/>
+      </p:nvGrpSpPr>
+      <p:grpSpPr>
+        <a:xfrm>
+          <a:off x="0" y="0"/>
+          <a:ext cx="0" cy="0"/>
+          <a:chOff x="0" y="0"/>
+          <a:chExt cx="0" cy="0"/>
+        </a:xfrm>
+      </p:grpSpPr>
+      <p:sp>
+        <p:nvSpPr>
+          <p:cNvPr id="2" name="Titel 1">
+            <a:extLst>
+              <a:ext uri="{FF2B5EF4-FFF2-40B4-BE49-F238E27FC236}">
+                <a16:creationId xmlns:a16="http://schemas.microsoft.com/office/drawing/2014/main" id="{BC017439-3A5C-4E7B-9254-D15C3D7D2B11}"/>
+              </a:ext>
+            </a:extLst>
+          </p:cNvPr>
+          <p:cNvSpPr>
+            <a:spLocks noGrp="1"/>
+          </p:cNvSpPr>
+          <p:nvPr>
+            <p:ph type="title"/>
+          </p:nvPr>
+        </p:nvSpPr>
+        <p:spPr/>
+        <p:txBody>
+          <a:bodyPr/>
+          <a:lstStyle/>
+          <a:p>
+            <a:r>
+              <a:rPr lang="nl-BE" dirty="0"/>
+              <a:t>Agenda</a:t>
+            </a:r>
+          </a:p>
+        </p:txBody>
+      </p:sp>
+      <p:sp>
+        <p:nvSpPr>
+          <p:cNvPr id="3" name="Tijdelijke aanduiding voor inhoud 2">
+            <a:extLst>
+              <a:ext uri="{FF2B5EF4-FFF2-40B4-BE49-F238E27FC236}">
+                <a16:creationId xmlns:a16="http://schemas.microsoft.com/office/drawing/2014/main" id="{061F26B2-7D89-41C9-8F06-4E50D48859A7}"/>
+              </a:ext>
+            </a:extLst>
+          </p:cNvPr>
+          <p:cNvSpPr>
+            <a:spLocks noGrp="1"/>
+          </p:cNvSpPr>
+          <p:nvPr>
+            <p:ph idx="1"/>
+          </p:nvPr>
+        </p:nvSpPr>
+        <p:spPr/>
+        <p:txBody>
+          <a:bodyPr/>
+          <a:lstStyle/>
+          <a:p>
+            <a:pPr marL="514350" indent="-514350">
+              <a:buFont typeface="+mj-lt"/>
+              <a:buAutoNum type="arabicPeriod"/>
+            </a:pPr>
+            <a:r>
+              <a:rPr lang="nl-BE" dirty="0"/>
+              <a:t>New LES </a:t>
+            </a:r>
+            <a:r>
+              <a:rPr lang="nl-BE" dirty="0" err="1"/>
+              <a:t>simulations</a:t>
+            </a:r>
+            <a:r>
+              <a:rPr lang="nl-BE" dirty="0"/>
+              <a:t> (</a:t>
+            </a:r>
+            <a:r>
+              <a:rPr lang="nl-BE" dirty="0" err="1"/>
+              <a:t>preliminary</a:t>
+            </a:r>
+            <a:r>
+              <a:rPr lang="nl-BE" dirty="0"/>
+              <a:t> </a:t>
+            </a:r>
+            <a:r>
+              <a:rPr lang="nl-BE" dirty="0" err="1"/>
+              <a:t>results</a:t>
+            </a:r>
+            <a:r>
+              <a:rPr lang="nl-BE" dirty="0"/>
+              <a:t>)</a:t>
+            </a:r>
+          </a:p>
+          <a:p>
+            <a:pPr marL="514350" indent="-514350">
+              <a:buFont typeface="+mj-lt"/>
+              <a:buAutoNum type="arabicPeriod"/>
+            </a:pPr>
+            <a:r>
+              <a:rPr lang="nl-BE" dirty="0"/>
+              <a:t>LES </a:t>
+            </a:r>
+            <a:r>
+              <a:rPr lang="nl-BE" dirty="0" err="1"/>
+              <a:t>superposition</a:t>
+            </a:r>
+            <a:endParaRPr lang="nl-BE" dirty="0"/>
+          </a:p>
+          <a:p>
+            <a:pPr marL="514350" indent="-514350">
+              <a:buFont typeface="+mj-lt"/>
+              <a:buAutoNum type="arabicPeriod"/>
+            </a:pPr>
+            <a:endParaRPr lang="nl-BE" dirty="0"/>
+          </a:p>
+        </p:txBody>
+      </p:sp>
+      <p:sp>
+        <p:nvSpPr>
+          <p:cNvPr id="4" name="Tijdelijke aanduiding voor dianummer 3">
+            <a:extLst>
+              <a:ext uri="{FF2B5EF4-FFF2-40B4-BE49-F238E27FC236}">
+                <a16:creationId xmlns:a16="http://schemas.microsoft.com/office/drawing/2014/main" id="{970EA9C6-CE9C-42B5-AB1C-CACC39114A0B}"/>
+              </a:ext>
+            </a:extLst>
+          </p:cNvPr>
+          <p:cNvSpPr>
+            <a:spLocks noGrp="1"/>
+          </p:cNvSpPr>
+          <p:nvPr>
+            <p:ph type="sldNum" sz="quarter" idx="12"/>
+          </p:nvPr>
+        </p:nvSpPr>
+        <p:spPr/>
+        <p:txBody>
+          <a:bodyPr/>
+          <a:lstStyle/>
+          <a:p>
+            <a:fld id="{1AB46CEE-3AE5-4CB7-A737-0ADD03AC3812}" type="slidenum">
+              <a:rPr lang="nl-BE" smtClean="0"/>
+              <a:t>2</a:t>
+            </a:fld>
+            <a:endParaRPr lang="nl-BE"/>
+          </a:p>
+        </p:txBody>
+      </p:sp>
+    </p:spTree>
+    <p:extLst>
+      <p:ext uri="{BB962C8B-B14F-4D97-AF65-F5344CB8AC3E}">
+        <p14:creationId xmlns:p14="http://schemas.microsoft.com/office/powerpoint/2010/main" val="497422063"/>
+      </p:ext>
+    </p:extLst>
+  </p:cSld>
+  <p:clrMapOvr>
+    <a:masterClrMapping/>
+  </p:clrMapOvr>
+</p:sld>
+</file>
+
+<file path=ppt/slides/slide20.xml><?xml version="1.0" encoding="utf-8"?>
 <p:sld xmlns:a="http://schemas.openxmlformats.org/drawingml/2006/main" xmlns:r="http://schemas.openxmlformats.org/officeDocument/2006/relationships" xmlns:p="http://schemas.openxmlformats.org/presentationml/2006/main">
   <p:cSld>
     <p:spTree>
@@ -7300,7 +7538,7 @@
           <p:nvPr/>
         </p:nvPicPr>
         <p:blipFill>
-          <a:blip r:embed="rId2">
+          <a:blip r:embed="rId3">
             <a:clrChange>
               <a:clrFrom>
                 <a:srgbClr val="F0F0F0"/>
@@ -7349,7 +7587,7 @@
           <a:p>
             <a:fld id="{1AB46CEE-3AE5-4CB7-A737-0ADD03AC3812}" type="slidenum">
               <a:rPr lang="nl-BE" smtClean="0"/>
-              <a:t>21</a:t>
+              <a:t>20</a:t>
             </a:fld>
             <a:endParaRPr lang="nl-BE"/>
           </a:p>
@@ -7368,7 +7606,7 @@
 </p:sld>
 </file>
 
-<file path=ppt/slides/slide22.xml><?xml version="1.0" encoding="utf-8"?>
+<file path=ppt/slides/slide21.xml><?xml version="1.0" encoding="utf-8"?>
 <p:sld xmlns:a="http://schemas.openxmlformats.org/drawingml/2006/main" xmlns:r="http://schemas.openxmlformats.org/officeDocument/2006/relationships" xmlns:p="http://schemas.openxmlformats.org/presentationml/2006/main">
   <p:cSld>
     <p:spTree>
@@ -7511,7 +7749,7 @@
           <a:p>
             <a:fld id="{1AB46CEE-3AE5-4CB7-A737-0ADD03AC3812}" type="slidenum">
               <a:rPr lang="nl-BE" smtClean="0"/>
-              <a:t>22</a:t>
+              <a:t>21</a:t>
             </a:fld>
             <a:endParaRPr lang="nl-BE"/>
           </a:p>
@@ -7530,7 +7768,7 @@
 </p:sld>
 </file>
 
-<file path=ppt/slides/slide23.xml><?xml version="1.0" encoding="utf-8"?>
+<file path=ppt/slides/slide22.xml><?xml version="1.0" encoding="utf-8"?>
 <p:sld xmlns:a="http://schemas.openxmlformats.org/drawingml/2006/main" xmlns:r="http://schemas.openxmlformats.org/officeDocument/2006/relationships" xmlns:p="http://schemas.openxmlformats.org/presentationml/2006/main">
   <p:cSld>
     <p:spTree>
@@ -7673,7 +7911,7 @@
           <a:p>
             <a:fld id="{1AB46CEE-3AE5-4CB7-A737-0ADD03AC3812}" type="slidenum">
               <a:rPr lang="nl-BE" smtClean="0"/>
-              <a:t>23</a:t>
+              <a:t>22</a:t>
             </a:fld>
             <a:endParaRPr lang="nl-BE"/>
           </a:p>
@@ -7692,7 +7930,7 @@
 </p:sld>
 </file>
 
-<file path=ppt/slides/slide24.xml><?xml version="1.0" encoding="utf-8"?>
+<file path=ppt/slides/slide23.xml><?xml version="1.0" encoding="utf-8"?>
 <p:sld xmlns:a="http://schemas.openxmlformats.org/drawingml/2006/main" xmlns:r="http://schemas.openxmlformats.org/officeDocument/2006/relationships" xmlns:p="http://schemas.openxmlformats.org/presentationml/2006/main">
   <p:cSld>
     <p:spTree>
@@ -7835,7 +8073,7 @@
           <a:p>
             <a:fld id="{1AB46CEE-3AE5-4CB7-A737-0ADD03AC3812}" type="slidenum">
               <a:rPr lang="nl-BE" smtClean="0"/>
-              <a:t>24</a:t>
+              <a:t>23</a:t>
             </a:fld>
             <a:endParaRPr lang="nl-BE"/>
           </a:p>
@@ -7854,7 +8092,7 @@
 </p:sld>
 </file>
 
-<file path=ppt/slides/slide25.xml><?xml version="1.0" encoding="utf-8"?>
+<file path=ppt/slides/slide24.xml><?xml version="1.0" encoding="utf-8"?>
 <p:sld xmlns:a="http://schemas.openxmlformats.org/drawingml/2006/main" xmlns:r="http://schemas.openxmlformats.org/officeDocument/2006/relationships" xmlns:p="http://schemas.openxmlformats.org/presentationml/2006/main">
   <p:cSld>
     <p:spTree>
@@ -7997,7 +8235,7 @@
           <a:p>
             <a:fld id="{1AB46CEE-3AE5-4CB7-A737-0ADD03AC3812}" type="slidenum">
               <a:rPr lang="nl-BE" smtClean="0"/>
-              <a:t>25</a:t>
+              <a:t>24</a:t>
             </a:fld>
             <a:endParaRPr lang="nl-BE"/>
           </a:p>
@@ -8016,7 +8254,7 @@
 </p:sld>
 </file>
 
-<file path=ppt/slides/slide26.xml><?xml version="1.0" encoding="utf-8"?>
+<file path=ppt/slides/slide25.xml><?xml version="1.0" encoding="utf-8"?>
 <p:sld xmlns:a="http://schemas.openxmlformats.org/drawingml/2006/main" xmlns:r="http://schemas.openxmlformats.org/officeDocument/2006/relationships" xmlns:p="http://schemas.openxmlformats.org/presentationml/2006/main">
   <p:cSld>
     <p:spTree>
@@ -8159,7 +8397,7 @@
           <a:p>
             <a:fld id="{1AB46CEE-3AE5-4CB7-A737-0ADD03AC3812}" type="slidenum">
               <a:rPr lang="nl-BE" smtClean="0"/>
-              <a:t>26</a:t>
+              <a:t>25</a:t>
             </a:fld>
             <a:endParaRPr lang="nl-BE"/>
           </a:p>
@@ -8178,7 +8416,7 @@
 </p:sld>
 </file>
 
-<file path=ppt/slides/slide27.xml><?xml version="1.0" encoding="utf-8"?>
+<file path=ppt/slides/slide26.xml><?xml version="1.0" encoding="utf-8"?>
 <p:sld xmlns:a="http://schemas.openxmlformats.org/drawingml/2006/main" xmlns:r="http://schemas.openxmlformats.org/officeDocument/2006/relationships" xmlns:p="http://schemas.openxmlformats.org/presentationml/2006/main">
   <p:cSld>
     <p:spTree>
@@ -8321,7 +8559,7 @@
           <a:p>
             <a:fld id="{1AB46CEE-3AE5-4CB7-A737-0ADD03AC3812}" type="slidenum">
               <a:rPr lang="nl-BE" smtClean="0"/>
-              <a:t>27</a:t>
+              <a:t>26</a:t>
             </a:fld>
             <a:endParaRPr lang="nl-BE"/>
           </a:p>
@@ -8340,7 +8578,7 @@
 </p:sld>
 </file>
 
-<file path=ppt/slides/slide28.xml><?xml version="1.0" encoding="utf-8"?>
+<file path=ppt/slides/slide27.xml><?xml version="1.0" encoding="utf-8"?>
 <p:sld xmlns:a="http://schemas.openxmlformats.org/drawingml/2006/main" xmlns:r="http://schemas.openxmlformats.org/officeDocument/2006/relationships" xmlns:p="http://schemas.openxmlformats.org/presentationml/2006/main">
   <p:cSld>
     <p:spTree>
@@ -8483,7 +8721,7 @@
           <a:p>
             <a:fld id="{1AB46CEE-3AE5-4CB7-A737-0ADD03AC3812}" type="slidenum">
               <a:rPr lang="nl-BE" smtClean="0"/>
-              <a:t>28</a:t>
+              <a:t>27</a:t>
             </a:fld>
             <a:endParaRPr lang="nl-BE"/>
           </a:p>
@@ -8502,7 +8740,7 @@
 </p:sld>
 </file>
 
-<file path=ppt/slides/slide29.xml><?xml version="1.0" encoding="utf-8"?>
+<file path=ppt/slides/slide28.xml><?xml version="1.0" encoding="utf-8"?>
 <p:sld xmlns:a="http://schemas.openxmlformats.org/drawingml/2006/main" xmlns:r="http://schemas.openxmlformats.org/officeDocument/2006/relationships" xmlns:p="http://schemas.openxmlformats.org/presentationml/2006/main">
   <p:cSld>
     <p:spTree>
@@ -8645,7 +8883,7 @@
           <a:p>
             <a:fld id="{1AB46CEE-3AE5-4CB7-A737-0ADD03AC3812}" type="slidenum">
               <a:rPr lang="nl-BE" smtClean="0"/>
-              <a:t>29</a:t>
+              <a:t>28</a:t>
             </a:fld>
             <a:endParaRPr lang="nl-BE"/>
           </a:p>
@@ -8664,129 +8902,7 @@
 </p:sld>
 </file>
 
-<file path=ppt/slides/slide3.xml><?xml version="1.0" encoding="utf-8"?>
-<p:sld xmlns:a="http://schemas.openxmlformats.org/drawingml/2006/main" xmlns:r="http://schemas.openxmlformats.org/officeDocument/2006/relationships" xmlns:p="http://schemas.openxmlformats.org/presentationml/2006/main" show="0">
-  <p:cSld>
-    <p:spTree>
-      <p:nvGrpSpPr>
-        <p:cNvPr id="1" name=""/>
-        <p:cNvGrpSpPr/>
-        <p:nvPr/>
-      </p:nvGrpSpPr>
-      <p:grpSpPr>
-        <a:xfrm>
-          <a:off x="0" y="0"/>
-          <a:ext cx="0" cy="0"/>
-          <a:chOff x="0" y="0"/>
-          <a:chExt cx="0" cy="0"/>
-        </a:xfrm>
-      </p:grpSpPr>
-      <p:sp>
-        <p:nvSpPr>
-          <p:cNvPr id="2" name="Titel 1">
-            <a:extLst>
-              <a:ext uri="{FF2B5EF4-FFF2-40B4-BE49-F238E27FC236}">
-                <a16:creationId xmlns:a16="http://schemas.microsoft.com/office/drawing/2014/main" id="{73951D0C-28BD-4485-9D97-A8ABE0C07C0C}"/>
-              </a:ext>
-            </a:extLst>
-          </p:cNvPr>
-          <p:cNvSpPr>
-            <a:spLocks noGrp="1"/>
-          </p:cNvSpPr>
-          <p:nvPr>
-            <p:ph type="title"/>
-          </p:nvPr>
-        </p:nvSpPr>
-        <p:spPr/>
-        <p:txBody>
-          <a:bodyPr/>
-          <a:lstStyle/>
-          <a:p>
-            <a:r>
-              <a:rPr lang="nl-BE" dirty="0"/>
-              <a:t>1a. LES Wind turbine</a:t>
-            </a:r>
-          </a:p>
-        </p:txBody>
-      </p:sp>
-      <p:pic>
-        <p:nvPicPr>
-          <p:cNvPr id="5" name="Tijdelijke aanduiding voor inhoud 4" descr="Afbeelding met tekst, kaart&#10;&#10;Beschrijving is gegenereerd met zeer hoge betrouwbaarheid">
-            <a:extLst>
-              <a:ext uri="{FF2B5EF4-FFF2-40B4-BE49-F238E27FC236}">
-                <a16:creationId xmlns:a16="http://schemas.microsoft.com/office/drawing/2014/main" id="{12137FBD-8A20-44ED-86D2-4C448386E735}"/>
-              </a:ext>
-            </a:extLst>
-          </p:cNvPr>
-          <p:cNvPicPr>
-            <a:picLocks noGrp="1" noChangeAspect="1"/>
-          </p:cNvPicPr>
-          <p:nvPr>
-            <p:ph idx="1"/>
-          </p:nvPr>
-        </p:nvPicPr>
-        <p:blipFill>
-          <a:blip r:embed="rId3">
-            <a:extLst>
-              <a:ext uri="{28A0092B-C50C-407E-A947-70E740481C1C}">
-                <a14:useLocalDpi xmlns:a14="http://schemas.microsoft.com/office/drawing/2010/main" val="0"/>
-              </a:ext>
-            </a:extLst>
-          </a:blip>
-          <a:stretch>
-            <a:fillRect/>
-          </a:stretch>
-        </p:blipFill>
-        <p:spPr>
-          <a:xfrm>
-            <a:off x="918835" y="1220996"/>
-            <a:ext cx="9885287" cy="5503840"/>
-          </a:xfrm>
-        </p:spPr>
-      </p:pic>
-      <p:sp>
-        <p:nvSpPr>
-          <p:cNvPr id="3" name="Tijdelijke aanduiding voor dianummer 2">
-            <a:extLst>
-              <a:ext uri="{FF2B5EF4-FFF2-40B4-BE49-F238E27FC236}">
-                <a16:creationId xmlns:a16="http://schemas.microsoft.com/office/drawing/2014/main" id="{D557F4D2-92EC-438D-AE4C-1EBDA7D5C67E}"/>
-              </a:ext>
-            </a:extLst>
-          </p:cNvPr>
-          <p:cNvSpPr>
-            <a:spLocks noGrp="1"/>
-          </p:cNvSpPr>
-          <p:nvPr>
-            <p:ph type="sldNum" sz="quarter" idx="12"/>
-          </p:nvPr>
-        </p:nvSpPr>
-        <p:spPr/>
-        <p:txBody>
-          <a:bodyPr/>
-          <a:lstStyle/>
-          <a:p>
-            <a:fld id="{5065D76A-7BA6-4122-A9CE-1FDF014C5B90}" type="slidenum">
-              <a:rPr lang="nl-BE" smtClean="0"/>
-              <a:t>3</a:t>
-            </a:fld>
-            <a:endParaRPr lang="nl-BE"/>
-          </a:p>
-        </p:txBody>
-      </p:sp>
-    </p:spTree>
-    <p:extLst>
-      <p:ext uri="{BB962C8B-B14F-4D97-AF65-F5344CB8AC3E}">
-        <p14:creationId xmlns:p14="http://schemas.microsoft.com/office/powerpoint/2010/main" val="3004760181"/>
-      </p:ext>
-    </p:extLst>
-  </p:cSld>
-  <p:clrMapOvr>
-    <a:masterClrMapping/>
-  </p:clrMapOvr>
-</p:sld>
-</file>
-
-<file path=ppt/slides/slide30.xml><?xml version="1.0" encoding="utf-8"?>
+<file path=ppt/slides/slide29.xml><?xml version="1.0" encoding="utf-8"?>
 <p:sld xmlns:a="http://schemas.openxmlformats.org/drawingml/2006/main" xmlns:r="http://schemas.openxmlformats.org/officeDocument/2006/relationships" xmlns:p="http://schemas.openxmlformats.org/presentationml/2006/main">
   <p:cSld>
     <p:spTree>
@@ -8929,7 +9045,7 @@
           <a:p>
             <a:fld id="{1AB46CEE-3AE5-4CB7-A737-0ADD03AC3812}" type="slidenum">
               <a:rPr lang="nl-BE" smtClean="0"/>
-              <a:t>30</a:t>
+              <a:t>29</a:t>
             </a:fld>
             <a:endParaRPr lang="nl-BE"/>
           </a:p>
@@ -8948,7 +9064,129 @@
 </p:sld>
 </file>
 
-<file path=ppt/slides/slide31.xml><?xml version="1.0" encoding="utf-8"?>
+<file path=ppt/slides/slide3.xml><?xml version="1.0" encoding="utf-8"?>
+<p:sld xmlns:a="http://schemas.openxmlformats.org/drawingml/2006/main" xmlns:r="http://schemas.openxmlformats.org/officeDocument/2006/relationships" xmlns:p="http://schemas.openxmlformats.org/presentationml/2006/main" show="0">
+  <p:cSld>
+    <p:spTree>
+      <p:nvGrpSpPr>
+        <p:cNvPr id="1" name=""/>
+        <p:cNvGrpSpPr/>
+        <p:nvPr/>
+      </p:nvGrpSpPr>
+      <p:grpSpPr>
+        <a:xfrm>
+          <a:off x="0" y="0"/>
+          <a:ext cx="0" cy="0"/>
+          <a:chOff x="0" y="0"/>
+          <a:chExt cx="0" cy="0"/>
+        </a:xfrm>
+      </p:grpSpPr>
+      <p:sp>
+        <p:nvSpPr>
+          <p:cNvPr id="2" name="Titel 1">
+            <a:extLst>
+              <a:ext uri="{FF2B5EF4-FFF2-40B4-BE49-F238E27FC236}">
+                <a16:creationId xmlns:a16="http://schemas.microsoft.com/office/drawing/2014/main" id="{73951D0C-28BD-4485-9D97-A8ABE0C07C0C}"/>
+              </a:ext>
+            </a:extLst>
+          </p:cNvPr>
+          <p:cNvSpPr>
+            <a:spLocks noGrp="1"/>
+          </p:cNvSpPr>
+          <p:nvPr>
+            <p:ph type="title"/>
+          </p:nvPr>
+        </p:nvSpPr>
+        <p:spPr/>
+        <p:txBody>
+          <a:bodyPr/>
+          <a:lstStyle/>
+          <a:p>
+            <a:r>
+              <a:rPr lang="nl-BE" dirty="0"/>
+              <a:t>1a. LES Wind turbine</a:t>
+            </a:r>
+          </a:p>
+        </p:txBody>
+      </p:sp>
+      <p:pic>
+        <p:nvPicPr>
+          <p:cNvPr id="5" name="Tijdelijke aanduiding voor inhoud 4" descr="Afbeelding met tekst, kaart&#10;&#10;Beschrijving is gegenereerd met zeer hoge betrouwbaarheid">
+            <a:extLst>
+              <a:ext uri="{FF2B5EF4-FFF2-40B4-BE49-F238E27FC236}">
+                <a16:creationId xmlns:a16="http://schemas.microsoft.com/office/drawing/2014/main" id="{12137FBD-8A20-44ED-86D2-4C448386E735}"/>
+              </a:ext>
+            </a:extLst>
+          </p:cNvPr>
+          <p:cNvPicPr>
+            <a:picLocks noGrp="1" noChangeAspect="1"/>
+          </p:cNvPicPr>
+          <p:nvPr>
+            <p:ph idx="1"/>
+          </p:nvPr>
+        </p:nvPicPr>
+        <p:blipFill>
+          <a:blip r:embed="rId3">
+            <a:extLst>
+              <a:ext uri="{28A0092B-C50C-407E-A947-70E740481C1C}">
+                <a14:useLocalDpi xmlns:a14="http://schemas.microsoft.com/office/drawing/2010/main" val="0"/>
+              </a:ext>
+            </a:extLst>
+          </a:blip>
+          <a:stretch>
+            <a:fillRect/>
+          </a:stretch>
+        </p:blipFill>
+        <p:spPr>
+          <a:xfrm>
+            <a:off x="918835" y="1220996"/>
+            <a:ext cx="9885287" cy="5503840"/>
+          </a:xfrm>
+        </p:spPr>
+      </p:pic>
+      <p:sp>
+        <p:nvSpPr>
+          <p:cNvPr id="3" name="Tijdelijke aanduiding voor dianummer 2">
+            <a:extLst>
+              <a:ext uri="{FF2B5EF4-FFF2-40B4-BE49-F238E27FC236}">
+                <a16:creationId xmlns:a16="http://schemas.microsoft.com/office/drawing/2014/main" id="{D557F4D2-92EC-438D-AE4C-1EBDA7D5C67E}"/>
+              </a:ext>
+            </a:extLst>
+          </p:cNvPr>
+          <p:cNvSpPr>
+            <a:spLocks noGrp="1"/>
+          </p:cNvSpPr>
+          <p:nvPr>
+            <p:ph type="sldNum" sz="quarter" idx="12"/>
+          </p:nvPr>
+        </p:nvSpPr>
+        <p:spPr/>
+        <p:txBody>
+          <a:bodyPr/>
+          <a:lstStyle/>
+          <a:p>
+            <a:fld id="{5065D76A-7BA6-4122-A9CE-1FDF014C5B90}" type="slidenum">
+              <a:rPr lang="nl-BE" smtClean="0"/>
+              <a:t>3</a:t>
+            </a:fld>
+            <a:endParaRPr lang="nl-BE"/>
+          </a:p>
+        </p:txBody>
+      </p:sp>
+    </p:spTree>
+    <p:extLst>
+      <p:ext uri="{BB962C8B-B14F-4D97-AF65-F5344CB8AC3E}">
+        <p14:creationId xmlns:p14="http://schemas.microsoft.com/office/powerpoint/2010/main" val="3004760181"/>
+      </p:ext>
+    </p:extLst>
+  </p:cSld>
+  <p:clrMapOvr>
+    <a:masterClrMapping/>
+  </p:clrMapOvr>
+</p:sld>
+</file>
+
+<file path=ppt/slides/slide30.xml><?xml version="1.0" encoding="utf-8"?>
 <p:sld xmlns:a="http://schemas.openxmlformats.org/drawingml/2006/main" xmlns:r="http://schemas.openxmlformats.org/officeDocument/2006/relationships" xmlns:p="http://schemas.openxmlformats.org/presentationml/2006/main">
   <p:cSld>
     <p:spTree>
@@ -9091,7 +9329,7 @@
           <a:p>
             <a:fld id="{1AB46CEE-3AE5-4CB7-A737-0ADD03AC3812}" type="slidenum">
               <a:rPr lang="nl-BE" smtClean="0"/>
-              <a:t>31</a:t>
+              <a:t>30</a:t>
             </a:fld>
             <a:endParaRPr lang="nl-BE"/>
           </a:p>
@@ -9110,7 +9348,7 @@
 </p:sld>
 </file>
 
-<file path=ppt/slides/slide32.xml><?xml version="1.0" encoding="utf-8"?>
+<file path=ppt/slides/slide31.xml><?xml version="1.0" encoding="utf-8"?>
 <p:sld xmlns:a="http://schemas.openxmlformats.org/drawingml/2006/main" xmlns:r="http://schemas.openxmlformats.org/officeDocument/2006/relationships" xmlns:p="http://schemas.openxmlformats.org/presentationml/2006/main">
   <p:cSld>
     <p:spTree>
@@ -9253,7 +9491,7 @@
           <a:p>
             <a:fld id="{1AB46CEE-3AE5-4CB7-A737-0ADD03AC3812}" type="slidenum">
               <a:rPr lang="nl-BE" smtClean="0"/>
-              <a:t>32</a:t>
+              <a:t>31</a:t>
             </a:fld>
             <a:endParaRPr lang="nl-BE"/>
           </a:p>
@@ -9272,7 +9510,7 @@
 </p:sld>
 </file>
 
-<file path=ppt/slides/slide33.xml><?xml version="1.0" encoding="utf-8"?>
+<file path=ppt/slides/slide32.xml><?xml version="1.0" encoding="utf-8"?>
 <p:sld xmlns:a="http://schemas.openxmlformats.org/drawingml/2006/main" xmlns:r="http://schemas.openxmlformats.org/officeDocument/2006/relationships" xmlns:p="http://schemas.openxmlformats.org/presentationml/2006/main">
   <p:cSld>
     <p:spTree>
@@ -9415,7 +9653,7 @@
           <a:p>
             <a:fld id="{1AB46CEE-3AE5-4CB7-A737-0ADD03AC3812}" type="slidenum">
               <a:rPr lang="nl-BE" smtClean="0"/>
-              <a:t>33</a:t>
+              <a:t>32</a:t>
             </a:fld>
             <a:endParaRPr lang="nl-BE"/>
           </a:p>
@@ -9434,7 +9672,7 @@
 </p:sld>
 </file>
 
-<file path=ppt/slides/slide34.xml><?xml version="1.0" encoding="utf-8"?>
+<file path=ppt/slides/slide33.xml><?xml version="1.0" encoding="utf-8"?>
 <p:sld xmlns:a="http://schemas.openxmlformats.org/drawingml/2006/main" xmlns:r="http://schemas.openxmlformats.org/officeDocument/2006/relationships" xmlns:p="http://schemas.openxmlformats.org/presentationml/2006/main">
   <p:cSld>
     <p:spTree>
@@ -9577,7 +9815,7 @@
           <a:p>
             <a:fld id="{1AB46CEE-3AE5-4CB7-A737-0ADD03AC3812}" type="slidenum">
               <a:rPr lang="nl-BE" smtClean="0"/>
-              <a:t>34</a:t>
+              <a:t>33</a:t>
             </a:fld>
             <a:endParaRPr lang="nl-BE"/>
           </a:p>
@@ -9596,7 +9834,7 @@
 </p:sld>
 </file>
 
-<file path=ppt/slides/slide35.xml><?xml version="1.0" encoding="utf-8"?>
+<file path=ppt/slides/slide34.xml><?xml version="1.0" encoding="utf-8"?>
 <p:sld xmlns:a="http://schemas.openxmlformats.org/drawingml/2006/main" xmlns:r="http://schemas.openxmlformats.org/officeDocument/2006/relationships" xmlns:p="http://schemas.openxmlformats.org/presentationml/2006/main">
   <p:cSld>
     <p:spTree>
@@ -9706,7 +9944,7 @@
           <a:p>
             <a:fld id="{1AB46CEE-3AE5-4CB7-A737-0ADD03AC3812}" type="slidenum">
               <a:rPr lang="nl-BE" smtClean="0"/>
-              <a:t>35</a:t>
+              <a:t>34</a:t>
             </a:fld>
             <a:endParaRPr lang="nl-BE"/>
           </a:p>
@@ -10605,7 +10843,7 @@
           <a:p>
             <a:r>
               <a:rPr lang="nl-BE" dirty="0"/>
-              <a:t>WT1 + ~3,4,5,6 D</a:t>
+              <a:t>WT + ~3,4,5,6 D</a:t>
             </a:r>
           </a:p>
         </p:txBody>
